--- a/ContractDistribution/ContractDistributionRelativity.pptx
+++ b/ContractDistribution/ContractDistributionRelativity.pptx
@@ -3964,7 +3964,7 @@
               <a:pPr>
                 <a:defRPr/>
               </a:pPr>
-              <a:t>8/19/2020</a:t>
+              <a:t>8/20/2020</a:t>
             </a:fld>
             <a:endParaRPr lang="en-US"/>
           </a:p>
@@ -4118,7 +4118,7 @@
               <a:pPr>
                 <a:defRPr/>
               </a:pPr>
-              <a:t>8/19/2020</a:t>
+              <a:t>8/20/2020</a:t>
             </a:fld>
             <a:endParaRPr lang="en-US"/>
           </a:p>
@@ -16281,23 +16281,7 @@
                   <a:schemeClr val="bg1"/>
                 </a:solidFill>
               </a:rPr>
-              <a:t>brea</a:t>
-            </a:r>
-            <a:r>
-              <a:rPr lang="pl-PL" sz="2000" u="sng" dirty="0" err="1">
-                <a:solidFill>
-                  <a:schemeClr val="bg1"/>
-                </a:solidFill>
-              </a:rPr>
-              <a:t>ka</a:t>
-            </a:r>
-            <a:r>
-              <a:rPr lang="pl-PL" sz="2000" dirty="0" err="1">
-                <a:solidFill>
-                  <a:schemeClr val="bg1"/>
-                </a:solidFill>
-              </a:rPr>
-              <a:t>ge</a:t>
+              <a:t>breakage</a:t>
             </a:r>
             <a:endParaRPr lang="pl-PL" sz="2000" dirty="0">
               <a:solidFill>
